--- a/Go Channels.pptx
+++ b/Go Channels.pptx
@@ -5,7 +5,7 @@
     <p:sldMasterId id="2147483708" r:id="rId1"/>
   </p:sldMasterIdLst>
   <p:notesMasterIdLst>
-    <p:notesMasterId r:id="rId30"/>
+    <p:notesMasterId r:id="rId29"/>
   </p:notesMasterIdLst>
   <p:sldIdLst>
     <p:sldId id="256" r:id="rId2"/>
@@ -26,16 +26,15 @@
     <p:sldId id="272" r:id="rId17"/>
     <p:sldId id="273" r:id="rId18"/>
     <p:sldId id="274" r:id="rId19"/>
-    <p:sldId id="275" r:id="rId20"/>
-    <p:sldId id="278" r:id="rId21"/>
-    <p:sldId id="279" r:id="rId22"/>
-    <p:sldId id="281" r:id="rId23"/>
-    <p:sldId id="282" r:id="rId24"/>
-    <p:sldId id="284" r:id="rId25"/>
-    <p:sldId id="286" r:id="rId26"/>
-    <p:sldId id="287" r:id="rId27"/>
-    <p:sldId id="288" r:id="rId28"/>
-    <p:sldId id="289" r:id="rId29"/>
+    <p:sldId id="278" r:id="rId20"/>
+    <p:sldId id="279" r:id="rId21"/>
+    <p:sldId id="281" r:id="rId22"/>
+    <p:sldId id="282" r:id="rId23"/>
+    <p:sldId id="284" r:id="rId24"/>
+    <p:sldId id="286" r:id="rId25"/>
+    <p:sldId id="287" r:id="rId26"/>
+    <p:sldId id="288" r:id="rId27"/>
+    <p:sldId id="289" r:id="rId28"/>
   </p:sldIdLst>
   <p:sldSz cx="12192000" cy="6858000"/>
   <p:notesSz cx="6858000" cy="9144000"/>
@@ -233,7 +232,7 @@
           <a:p>
             <a:fld id="{E17E7A7D-5226-47C6-851F-A64F676D4246}" type="datetimeFigureOut">
               <a:rPr lang="en-US" smtClean="0"/>
-              <a:t>8/17/2023</a:t>
+              <a:t>8/23/2023</a:t>
             </a:fld>
             <a:endParaRPr lang="en-US"/>
           </a:p>
@@ -790,7 +789,7 @@
           <a:p>
             <a:fld id="{452A91F0-AC9F-4EB0-B8EE-8EAC204362A9}" type="slidenum">
               <a:rPr lang="en-US" smtClean="0"/>
-              <a:t>25</a:t>
+              <a:t>24</a:t>
             </a:fld>
             <a:endParaRPr lang="en-US"/>
           </a:p>
@@ -1770,7 +1769,7 @@
           <a:p>
             <a:fld id="{452A91F0-AC9F-4EB0-B8EE-8EAC204362A9}" type="slidenum">
               <a:rPr lang="en-US" smtClean="0"/>
-              <a:t>20</a:t>
+              <a:t>19</a:t>
             </a:fld>
             <a:endParaRPr lang="en-US"/>
           </a:p>
@@ -1949,7 +1948,7 @@
           <a:p>
             <a:fld id="{452A91F0-AC9F-4EB0-B8EE-8EAC204362A9}" type="slidenum">
               <a:rPr lang="en-US" smtClean="0"/>
-              <a:t>22</a:t>
+              <a:t>21</a:t>
             </a:fld>
             <a:endParaRPr lang="en-US"/>
           </a:p>
@@ -2136,7 +2135,7 @@
           <a:p>
             <a:fld id="{49DFC06B-D979-41C8-9729-E4153D3319D8}" type="datetimeFigureOut">
               <a:rPr lang="en-US" smtClean="0"/>
-              <a:t>8/17/2023</a:t>
+              <a:t>8/23/2023</a:t>
             </a:fld>
             <a:endParaRPr lang="en-US"/>
           </a:p>
@@ -2364,7 +2363,7 @@
           <a:p>
             <a:fld id="{49DFC06B-D979-41C8-9729-E4153D3319D8}" type="datetimeFigureOut">
               <a:rPr lang="en-US" smtClean="0"/>
-              <a:t>8/17/2023</a:t>
+              <a:t>8/23/2023</a:t>
             </a:fld>
             <a:endParaRPr lang="en-US"/>
           </a:p>
@@ -2544,7 +2543,7 @@
           <a:p>
             <a:fld id="{49DFC06B-D979-41C8-9729-E4153D3319D8}" type="datetimeFigureOut">
               <a:rPr lang="en-US" smtClean="0"/>
-              <a:t>8/17/2023</a:t>
+              <a:t>8/23/2023</a:t>
             </a:fld>
             <a:endParaRPr lang="en-US"/>
           </a:p>
@@ -2714,7 +2713,7 @@
           <a:p>
             <a:fld id="{49DFC06B-D979-41C8-9729-E4153D3319D8}" type="datetimeFigureOut">
               <a:rPr lang="en-US" smtClean="0"/>
-              <a:t>8/17/2023</a:t>
+              <a:t>8/23/2023</a:t>
             </a:fld>
             <a:endParaRPr lang="en-US"/>
           </a:p>
@@ -2968,7 +2967,7 @@
           <a:p>
             <a:fld id="{49DFC06B-D979-41C8-9729-E4153D3319D8}" type="datetimeFigureOut">
               <a:rPr lang="en-US" smtClean="0"/>
-              <a:t>8/17/2023</a:t>
+              <a:t>8/23/2023</a:t>
             </a:fld>
             <a:endParaRPr lang="en-US"/>
           </a:p>
@@ -3294,7 +3293,7 @@
           <a:p>
             <a:fld id="{49DFC06B-D979-41C8-9729-E4153D3319D8}" type="datetimeFigureOut">
               <a:rPr lang="en-US" smtClean="0"/>
-              <a:t>8/17/2023</a:t>
+              <a:t>8/23/2023</a:t>
             </a:fld>
             <a:endParaRPr lang="en-US"/>
           </a:p>
@@ -3745,7 +3744,7 @@
           <a:p>
             <a:fld id="{49DFC06B-D979-41C8-9729-E4153D3319D8}" type="datetimeFigureOut">
               <a:rPr lang="en-US" smtClean="0"/>
-              <a:t>8/17/2023</a:t>
+              <a:t>8/23/2023</a:t>
             </a:fld>
             <a:endParaRPr lang="en-US"/>
           </a:p>
@@ -3863,7 +3862,7 @@
           <a:p>
             <a:fld id="{49DFC06B-D979-41C8-9729-E4153D3319D8}" type="datetimeFigureOut">
               <a:rPr lang="en-US" smtClean="0"/>
-              <a:t>8/17/2023</a:t>
+              <a:t>8/23/2023</a:t>
             </a:fld>
             <a:endParaRPr lang="en-US"/>
           </a:p>
@@ -3958,7 +3957,7 @@
           <a:p>
             <a:fld id="{49DFC06B-D979-41C8-9729-E4153D3319D8}" type="datetimeFigureOut">
               <a:rPr lang="en-US" smtClean="0"/>
-              <a:t>8/17/2023</a:t>
+              <a:t>8/23/2023</a:t>
             </a:fld>
             <a:endParaRPr lang="en-US"/>
           </a:p>
@@ -4245,7 +4244,7 @@
           <a:p>
             <a:fld id="{49DFC06B-D979-41C8-9729-E4153D3319D8}" type="datetimeFigureOut">
               <a:rPr lang="en-US" smtClean="0"/>
-              <a:t>8/17/2023</a:t>
+              <a:t>8/23/2023</a:t>
             </a:fld>
             <a:endParaRPr lang="en-US"/>
           </a:p>
@@ -4567,7 +4566,7 @@
           <a:p>
             <a:fld id="{49DFC06B-D979-41C8-9729-E4153D3319D8}" type="datetimeFigureOut">
               <a:rPr lang="en-US" smtClean="0"/>
-              <a:t>8/17/2023</a:t>
+              <a:t>8/23/2023</a:t>
             </a:fld>
             <a:endParaRPr lang="en-US"/>
           </a:p>
@@ -4821,7 +4820,7 @@
           <a:p>
             <a:fld id="{49DFC06B-D979-41C8-9729-E4153D3319D8}" type="datetimeFigureOut">
               <a:rPr lang="en-US" smtClean="0"/>
-              <a:t>8/17/2023</a:t>
+              <a:t>8/23/2023</a:t>
             </a:fld>
             <a:endParaRPr lang="en-US"/>
           </a:p>
@@ -7448,14 +7447,14 @@
           <p:nvPr>
             <p:extLst>
               <p:ext uri="{D42A27DB-BD31-4B8C-83A1-F6EECF244321}">
-                <p14:modId xmlns:p14="http://schemas.microsoft.com/office/powerpoint/2010/main" val="305456413"/>
+                <p14:modId xmlns:p14="http://schemas.microsoft.com/office/powerpoint/2010/main" val="1352651522"/>
               </p:ext>
             </p:extLst>
           </p:nvPr>
         </p:nvGraphicFramePr>
         <p:xfrm>
           <a:off x="747713" y="1816100"/>
-          <a:ext cx="6716712" cy="8642350"/>
+          <a:ext cx="4767208" cy="6133936"/>
         </p:xfrm>
         <a:graphic>
           <a:graphicData uri="http://schemas.openxmlformats.org/presentationml/2006/ole">
@@ -7492,21 +7491,12 @@
                     <p:spPr bwMode="auto">
                       <a:xfrm>
                         <a:off x="747713" y="1816100"/>
-                        <a:ext cx="6716712" cy="8642350"/>
+                        <a:ext cx="4767208" cy="6133936"/>
                       </a:xfrm>
                       <a:prstGeom prst="rect">
                         <a:avLst/>
                       </a:prstGeom>
                       <a:noFill/>
-                      <a:extLst>
-                        <a:ext uri="{909E8E84-426E-40DD-AFC4-6F175D3DCCD1}">
-                          <a14:hiddenFill xmlns:a14="http://schemas.microsoft.com/office/drawing/2010/main">
-                            <a:solidFill>
-                              <a:srgbClr val="FFFFFF"/>
-                            </a:solidFill>
-                          </a14:hiddenFill>
-                        </a:ext>
-                      </a:extLst>
                     </p:spPr>
                   </p:pic>
                 </p:oleObj>
@@ -7515,6 +7505,120 @@
           </a:graphicData>
         </a:graphic>
       </p:graphicFrame>
+      <p:graphicFrame>
+        <p:nvGraphicFramePr>
+          <p:cNvPr id="3" name="Content Placeholder 5">
+            <a:extLst>
+              <a:ext uri="{FF2B5EF4-FFF2-40B4-BE49-F238E27FC236}">
+                <a16:creationId xmlns:a16="http://schemas.microsoft.com/office/drawing/2014/main" id="{49FBA05F-E8A5-3CEC-170C-7F1BEE0BF1EC}"/>
+              </a:ext>
+            </a:extLst>
+          </p:cNvPr>
+          <p:cNvGraphicFramePr>
+            <a:graphicFrameLocks noGrp="1" noChangeAspect="1"/>
+          </p:cNvGraphicFramePr>
+          <p:nvPr>
+            <p:ph idx="1"/>
+            <p:extLst>
+              <p:ext uri="{D42A27DB-BD31-4B8C-83A1-F6EECF244321}">
+                <p14:modId xmlns:p14="http://schemas.microsoft.com/office/powerpoint/2010/main" val="3170837317"/>
+              </p:ext>
+            </p:extLst>
+          </p:nvPr>
+        </p:nvGraphicFramePr>
+        <p:xfrm>
+          <a:off x="6096000" y="2461060"/>
+          <a:ext cx="4592638" cy="4186237"/>
+        </p:xfrm>
+        <a:graphic>
+          <a:graphicData uri="http://schemas.openxmlformats.org/presentationml/2006/ole">
+            <mc:AlternateContent xmlns:mc="http://schemas.openxmlformats.org/markup-compatibility/2006">
+              <mc:Choice xmlns:v="urn:schemas-microsoft-com:vml" Requires="v">
+                <p:oleObj name="Document" r:id="rId4" imgW="5943600" imgH="5418000" progId="Word.OpenDocumentText.12">
+                  <p:embed/>
+                </p:oleObj>
+              </mc:Choice>
+              <mc:Fallback>
+                <p:oleObj name="Document" r:id="rId4" imgW="5943600" imgH="5418000" progId="Word.OpenDocumentText.12">
+                  <p:embed/>
+                  <p:pic>
+                    <p:nvPicPr>
+                      <p:cNvPr id="6" name="Content Placeholder 5">
+                        <a:extLst>
+                          <a:ext uri="{FF2B5EF4-FFF2-40B4-BE49-F238E27FC236}">
+                            <a16:creationId xmlns:a16="http://schemas.microsoft.com/office/drawing/2014/main" id="{81F406D6-9BCE-AFBC-F59F-1877C03E1482}"/>
+                          </a:ext>
+                        </a:extLst>
+                      </p:cNvPr>
+                      <p:cNvPicPr/>
+                      <p:nvPr/>
+                    </p:nvPicPr>
+                    <p:blipFill>
+                      <a:blip r:embed="rId5"/>
+                      <a:stretch>
+                        <a:fillRect/>
+                      </a:stretch>
+                    </p:blipFill>
+                    <p:spPr>
+                      <a:xfrm>
+                        <a:off x="6096000" y="2461060"/>
+                        <a:ext cx="4592638" cy="4186237"/>
+                      </a:xfrm>
+                      <a:prstGeom prst="rect">
+                        <a:avLst/>
+                      </a:prstGeom>
+                    </p:spPr>
+                  </p:pic>
+                </p:oleObj>
+              </mc:Fallback>
+            </mc:AlternateContent>
+          </a:graphicData>
+        </a:graphic>
+      </p:graphicFrame>
+      <p:cxnSp>
+        <p:nvCxnSpPr>
+          <p:cNvPr id="9" name="Connector: Elbow 8">
+            <a:extLst>
+              <a:ext uri="{FF2B5EF4-FFF2-40B4-BE49-F238E27FC236}">
+                <a16:creationId xmlns:a16="http://schemas.microsoft.com/office/drawing/2014/main" id="{CFF60F8C-A42D-7FDB-EB4C-515340388989}"/>
+              </a:ext>
+            </a:extLst>
+          </p:cNvPr>
+          <p:cNvCxnSpPr>
+            <a:endCxn id="3" idx="0"/>
+          </p:cNvCxnSpPr>
+          <p:nvPr/>
+        </p:nvCxnSpPr>
+        <p:spPr>
+          <a:xfrm flipV="1">
+            <a:off x="2912102" y="2461060"/>
+            <a:ext cx="5480217" cy="2594349"/>
+          </a:xfrm>
+          <a:prstGeom prst="bentConnector4">
+            <a:avLst>
+              <a:gd name="adj1" fmla="val 48710"/>
+              <a:gd name="adj2" fmla="val 108811"/>
+            </a:avLst>
+          </a:prstGeom>
+          <a:ln>
+            <a:tailEnd type="triangle"/>
+          </a:ln>
+        </p:spPr>
+        <p:style>
+          <a:lnRef idx="1">
+            <a:schemeClr val="accent1"/>
+          </a:lnRef>
+          <a:fillRef idx="0">
+            <a:schemeClr val="accent1"/>
+          </a:fillRef>
+          <a:effectRef idx="0">
+            <a:schemeClr val="accent1"/>
+          </a:effectRef>
+          <a:fontRef idx="minor">
+            <a:schemeClr val="tx1"/>
+          </a:fontRef>
+        </p:style>
+      </p:cxnSp>
     </p:spTree>
     <p:extLst>
       <p:ext uri="{BB962C8B-B14F-4D97-AF65-F5344CB8AC3E}">
@@ -7547,10 +7651,10 @@
       </p:grpSpPr>
       <p:sp>
         <p:nvSpPr>
-          <p:cNvPr id="7" name="Title 1">
+          <p:cNvPr id="2" name="Title 1">
             <a:extLst>
               <a:ext uri="{FF2B5EF4-FFF2-40B4-BE49-F238E27FC236}">
-                <a16:creationId xmlns:a16="http://schemas.microsoft.com/office/drawing/2014/main" id="{6515C8B2-A927-A4A6-C400-565C9BA84AEA}"/>
+                <a16:creationId xmlns:a16="http://schemas.microsoft.com/office/drawing/2014/main" id="{B9550C83-4D55-964E-7162-493AB566C283}"/>
               </a:ext>
             </a:extLst>
           </p:cNvPr>
@@ -7561,99 +7665,142 @@
             <p:ph type="title"/>
           </p:nvPr>
         </p:nvSpPr>
-        <p:spPr/>
-        <p:txBody>
-          <a:bodyPr>
-            <a:normAutofit fontScale="90000"/>
-          </a:bodyPr>
-          <a:lstStyle/>
-          <a:p>
-            <a:r>
-              <a:rPr lang="en-CA" b="1">
-                <a:effectLst/>
-                <a:latin typeface="Arial" panose="020B0604020202020204" pitchFamily="34" charset="0"/>
-                <a:ea typeface="Calibri" panose="020F0502020204030204" pitchFamily="34" charset="0"/>
-              </a:rPr>
-              <a:t>Example of the select statement sending data to channels (continued)</a:t>
-            </a:r>
-            <a:endParaRPr lang="en-CA" b="1"/>
-          </a:p>
-        </p:txBody>
-      </p:sp>
-      <p:graphicFrame>
-        <p:nvGraphicFramePr>
-          <p:cNvPr id="6" name="Content Placeholder 5">
+        <p:spPr>
+          <a:xfrm>
+            <a:off x="646111" y="452718"/>
+            <a:ext cx="9794305" cy="1400530"/>
+          </a:xfrm>
+        </p:spPr>
+        <p:txBody>
+          <a:bodyPr/>
+          <a:lstStyle/>
+          <a:p>
+            <a:r>
+              <a:rPr lang="en-US" b="1" dirty="0">
+                <a:latin typeface="Arial" panose="020B0604020202020204" pitchFamily="34" charset="0"/>
+                <a:cs typeface="Arial" panose="020B0604020202020204" pitchFamily="34" charset="0"/>
+              </a:rPr>
+              <a:t>Select Statement (For consuming/receiving from channels)</a:t>
+            </a:r>
+            <a:endParaRPr lang="en-CA" b="1" dirty="0">
+              <a:latin typeface="Arial" panose="020B0604020202020204" pitchFamily="34" charset="0"/>
+              <a:cs typeface="Arial" panose="020B0604020202020204" pitchFamily="34" charset="0"/>
+            </a:endParaRPr>
+          </a:p>
+        </p:txBody>
+      </p:sp>
+      <p:sp>
+        <p:nvSpPr>
+          <p:cNvPr id="3" name="Content Placeholder 2">
             <a:extLst>
               <a:ext uri="{FF2B5EF4-FFF2-40B4-BE49-F238E27FC236}">
-                <a16:creationId xmlns:a16="http://schemas.microsoft.com/office/drawing/2014/main" id="{81F406D6-9BCE-AFBC-F59F-1877C03E1482}"/>
+                <a16:creationId xmlns:a16="http://schemas.microsoft.com/office/drawing/2014/main" id="{2AE7B435-6474-0753-3655-FEE4E060566A}"/>
               </a:ext>
             </a:extLst>
           </p:cNvPr>
-          <p:cNvGraphicFramePr>
-            <a:graphicFrameLocks noGrp="1" noChangeAspect="1"/>
-          </p:cNvGraphicFramePr>
+          <p:cNvSpPr>
+            <a:spLocks noGrp="1"/>
+          </p:cNvSpPr>
           <p:nvPr>
             <p:ph idx="1"/>
-            <p:extLst>
-              <p:ext uri="{D42A27DB-BD31-4B8C-83A1-F6EECF244321}">
-                <p14:modId xmlns:p14="http://schemas.microsoft.com/office/powerpoint/2010/main" val="2303965447"/>
-              </p:ext>
-            </p:extLst>
-          </p:nvPr>
-        </p:nvGraphicFramePr>
-        <p:xfrm>
-          <a:off x="787400" y="2624138"/>
-          <a:ext cx="4592638" cy="4186237"/>
-        </p:xfrm>
-        <a:graphic>
-          <a:graphicData uri="http://schemas.openxmlformats.org/presentationml/2006/ole">
-            <mc:AlternateContent xmlns:mc="http://schemas.openxmlformats.org/markup-compatibility/2006">
-              <mc:Choice xmlns:v="urn:schemas-microsoft-com:vml" Requires="v">
-                <p:oleObj name="Document" r:id="rId2" imgW="5943600" imgH="5418000" progId="Word.OpenDocumentText.12">
-                  <p:embed/>
-                </p:oleObj>
-              </mc:Choice>
-              <mc:Fallback>
-                <p:oleObj name="Document" r:id="rId2" imgW="5943600" imgH="5418000" progId="Word.OpenDocumentText.12">
-                  <p:embed/>
-                  <p:pic>
-                    <p:nvPicPr>
-                      <p:cNvPr id="6" name="Content Placeholder 5">
-                        <a:extLst>
-                          <a:ext uri="{FF2B5EF4-FFF2-40B4-BE49-F238E27FC236}">
-                            <a16:creationId xmlns:a16="http://schemas.microsoft.com/office/drawing/2014/main" id="{81F406D6-9BCE-AFBC-F59F-1877C03E1482}"/>
-                          </a:ext>
-                        </a:extLst>
-                      </p:cNvPr>
-                      <p:cNvPicPr/>
-                      <p:nvPr/>
-                    </p:nvPicPr>
-                    <p:blipFill>
-                      <a:blip r:embed="rId3"/>
-                      <a:stretch>
-                        <a:fillRect/>
-                      </a:stretch>
-                    </p:blipFill>
-                    <p:spPr>
-                      <a:xfrm>
-                        <a:off x="787400" y="2624138"/>
-                        <a:ext cx="4592638" cy="4186237"/>
-                      </a:xfrm>
-                      <a:prstGeom prst="rect">
-                        <a:avLst/>
-                      </a:prstGeom>
-                    </p:spPr>
-                  </p:pic>
-                </p:oleObj>
-              </mc:Fallback>
-            </mc:AlternateContent>
-          </a:graphicData>
-        </a:graphic>
-      </p:graphicFrame>
+          </p:nvPr>
+        </p:nvSpPr>
+        <p:spPr/>
+        <p:txBody>
+          <a:bodyPr/>
+          <a:lstStyle/>
+          <a:p>
+            <a:r>
+              <a:rPr lang="en-CA" sz="1800" dirty="0">
+                <a:effectLst/>
+                <a:latin typeface="Arial" panose="020B0604020202020204" pitchFamily="34" charset="0"/>
+                <a:ea typeface="Calibri" panose="020F0502020204030204" pitchFamily="34" charset="0"/>
+              </a:rPr>
+              <a:t>The </a:t>
+            </a:r>
+            <a:r>
+              <a:rPr lang="en-CA" sz="1800" dirty="0">
+                <a:solidFill>
+                  <a:srgbClr val="ED7D31"/>
+                </a:solidFill>
+                <a:effectLst/>
+                <a:latin typeface="Cascadia Code" panose="020B0609020000020004" pitchFamily="49" charset="0"/>
+                <a:ea typeface="Calibri" panose="020F0502020204030204" pitchFamily="34" charset="0"/>
+              </a:rPr>
+              <a:t>select</a:t>
+            </a:r>
+            <a:r>
+              <a:rPr lang="en-CA" sz="1800" dirty="0">
+                <a:solidFill>
+                  <a:srgbClr val="ED7D31"/>
+                </a:solidFill>
+                <a:effectLst/>
+                <a:latin typeface="Arial" panose="020B0604020202020204" pitchFamily="34" charset="0"/>
+                <a:ea typeface="Calibri" panose="020F0502020204030204" pitchFamily="34" charset="0"/>
+              </a:rPr>
+              <a:t> </a:t>
+            </a:r>
+            <a:r>
+              <a:rPr lang="en-CA" sz="1800" dirty="0">
+                <a:effectLst/>
+                <a:latin typeface="Arial" panose="020B0604020202020204" pitchFamily="34" charset="0"/>
+                <a:ea typeface="Calibri" panose="020F0502020204030204" pitchFamily="34" charset="0"/>
+              </a:rPr>
+              <a:t>statement can also be used to wait for the first goroutine to send data through a channel. </a:t>
+            </a:r>
+          </a:p>
+          <a:p>
+            <a:endParaRPr lang="en-CA" sz="1800" dirty="0">
+              <a:latin typeface="Arial" panose="020B0604020202020204" pitchFamily="34" charset="0"/>
+              <a:ea typeface="Calibri" panose="020F0502020204030204" pitchFamily="34" charset="0"/>
+            </a:endParaRPr>
+          </a:p>
+          <a:p>
+            <a:r>
+              <a:rPr lang="en-CA" sz="1800" kern="100" dirty="0">
+                <a:effectLst/>
+                <a:latin typeface="Arial" panose="020B0604020202020204" pitchFamily="34" charset="0"/>
+                <a:ea typeface="Calibri" panose="020F0502020204030204" pitchFamily="34" charset="0"/>
+              </a:rPr>
+              <a:t>When one goroutine has sent a value, the </a:t>
+            </a:r>
+            <a:r>
+              <a:rPr lang="en-CA" sz="1800" kern="100" dirty="0">
+                <a:solidFill>
+                  <a:srgbClr val="ED7D31"/>
+                </a:solidFill>
+                <a:effectLst/>
+                <a:latin typeface="Cascadia Code" panose="020B0609020000020004" pitchFamily="49" charset="0"/>
+                <a:ea typeface="Calibri" panose="020F0502020204030204" pitchFamily="34" charset="0"/>
+              </a:rPr>
+              <a:t>select</a:t>
+            </a:r>
+            <a:r>
+              <a:rPr lang="en-CA" sz="1800" kern="100" dirty="0">
+                <a:solidFill>
+                  <a:srgbClr val="ED7D31"/>
+                </a:solidFill>
+                <a:effectLst/>
+                <a:latin typeface="Arial" panose="020B0604020202020204" pitchFamily="34" charset="0"/>
+                <a:ea typeface="Calibri" panose="020F0502020204030204" pitchFamily="34" charset="0"/>
+              </a:rPr>
+              <a:t> </a:t>
+            </a:r>
+            <a:r>
+              <a:rPr lang="en-CA" sz="1800" kern="100" dirty="0">
+                <a:effectLst/>
+                <a:latin typeface="Arial" panose="020B0604020202020204" pitchFamily="34" charset="0"/>
+                <a:ea typeface="Calibri" panose="020F0502020204030204" pitchFamily="34" charset="0"/>
+              </a:rPr>
+              <a:t>statement then receives a value from the channel with the sent value. </a:t>
+            </a:r>
+          </a:p>
+        </p:txBody>
+      </p:sp>
     </p:spTree>
     <p:extLst>
       <p:ext uri="{BB962C8B-B14F-4D97-AF65-F5344CB8AC3E}">
-        <p14:creationId xmlns:p14="http://schemas.microsoft.com/office/powerpoint/2010/main" val="2389263887"/>
+        <p14:creationId xmlns:p14="http://schemas.microsoft.com/office/powerpoint/2010/main" val="157089316"/>
       </p:ext>
     </p:extLst>
   </p:cSld>
@@ -7845,184 +7992,6 @@
 </file>
 
 <file path=ppt/slides/slide20.xml><?xml version="1.0" encoding="utf-8"?>
-<p:sld xmlns:a="http://schemas.openxmlformats.org/drawingml/2006/main" xmlns:r="http://schemas.openxmlformats.org/officeDocument/2006/relationships" xmlns:p="http://schemas.openxmlformats.org/presentationml/2006/main">
-  <p:cSld>
-    <p:spTree>
-      <p:nvGrpSpPr>
-        <p:cNvPr id="1" name=""/>
-        <p:cNvGrpSpPr/>
-        <p:nvPr/>
-      </p:nvGrpSpPr>
-      <p:grpSpPr>
-        <a:xfrm>
-          <a:off x="0" y="0"/>
-          <a:ext cx="0" cy="0"/>
-          <a:chOff x="0" y="0"/>
-          <a:chExt cx="0" cy="0"/>
-        </a:xfrm>
-      </p:grpSpPr>
-      <p:sp>
-        <p:nvSpPr>
-          <p:cNvPr id="2" name="Title 1">
-            <a:extLst>
-              <a:ext uri="{FF2B5EF4-FFF2-40B4-BE49-F238E27FC236}">
-                <a16:creationId xmlns:a16="http://schemas.microsoft.com/office/drawing/2014/main" id="{B9550C83-4D55-964E-7162-493AB566C283}"/>
-              </a:ext>
-            </a:extLst>
-          </p:cNvPr>
-          <p:cNvSpPr>
-            <a:spLocks noGrp="1"/>
-          </p:cNvSpPr>
-          <p:nvPr>
-            <p:ph type="title"/>
-          </p:nvPr>
-        </p:nvSpPr>
-        <p:spPr>
-          <a:xfrm>
-            <a:off x="646111" y="452718"/>
-            <a:ext cx="9794305" cy="1400530"/>
-          </a:xfrm>
-        </p:spPr>
-        <p:txBody>
-          <a:bodyPr/>
-          <a:lstStyle/>
-          <a:p>
-            <a:r>
-              <a:rPr lang="en-US" b="1" dirty="0">
-                <a:latin typeface="Arial" panose="020B0604020202020204" pitchFamily="34" charset="0"/>
-                <a:cs typeface="Arial" panose="020B0604020202020204" pitchFamily="34" charset="0"/>
-              </a:rPr>
-              <a:t>Select Statement (For consuming/receiving from channels)</a:t>
-            </a:r>
-            <a:endParaRPr lang="en-CA" b="1" dirty="0">
-              <a:latin typeface="Arial" panose="020B0604020202020204" pitchFamily="34" charset="0"/>
-              <a:cs typeface="Arial" panose="020B0604020202020204" pitchFamily="34" charset="0"/>
-            </a:endParaRPr>
-          </a:p>
-        </p:txBody>
-      </p:sp>
-      <p:sp>
-        <p:nvSpPr>
-          <p:cNvPr id="3" name="Content Placeholder 2">
-            <a:extLst>
-              <a:ext uri="{FF2B5EF4-FFF2-40B4-BE49-F238E27FC236}">
-                <a16:creationId xmlns:a16="http://schemas.microsoft.com/office/drawing/2014/main" id="{2AE7B435-6474-0753-3655-FEE4E060566A}"/>
-              </a:ext>
-            </a:extLst>
-          </p:cNvPr>
-          <p:cNvSpPr>
-            <a:spLocks noGrp="1"/>
-          </p:cNvSpPr>
-          <p:nvPr>
-            <p:ph idx="1"/>
-          </p:nvPr>
-        </p:nvSpPr>
-        <p:spPr/>
-        <p:txBody>
-          <a:bodyPr/>
-          <a:lstStyle/>
-          <a:p>
-            <a:r>
-              <a:rPr lang="en-CA" sz="1800" dirty="0">
-                <a:effectLst/>
-                <a:latin typeface="Arial" panose="020B0604020202020204" pitchFamily="34" charset="0"/>
-                <a:ea typeface="Calibri" panose="020F0502020204030204" pitchFamily="34" charset="0"/>
-              </a:rPr>
-              <a:t>The </a:t>
-            </a:r>
-            <a:r>
-              <a:rPr lang="en-CA" sz="1800" dirty="0">
-                <a:solidFill>
-                  <a:srgbClr val="ED7D31"/>
-                </a:solidFill>
-                <a:effectLst/>
-                <a:latin typeface="Cascadia Code" panose="020B0609020000020004" pitchFamily="49" charset="0"/>
-                <a:ea typeface="Calibri" panose="020F0502020204030204" pitchFamily="34" charset="0"/>
-              </a:rPr>
-              <a:t>select</a:t>
-            </a:r>
-            <a:r>
-              <a:rPr lang="en-CA" sz="1800" dirty="0">
-                <a:solidFill>
-                  <a:srgbClr val="ED7D31"/>
-                </a:solidFill>
-                <a:effectLst/>
-                <a:latin typeface="Arial" panose="020B0604020202020204" pitchFamily="34" charset="0"/>
-                <a:ea typeface="Calibri" panose="020F0502020204030204" pitchFamily="34" charset="0"/>
-              </a:rPr>
-              <a:t> </a:t>
-            </a:r>
-            <a:r>
-              <a:rPr lang="en-CA" sz="1800" dirty="0">
-                <a:effectLst/>
-                <a:latin typeface="Arial" panose="020B0604020202020204" pitchFamily="34" charset="0"/>
-                <a:ea typeface="Calibri" panose="020F0502020204030204" pitchFamily="34" charset="0"/>
-              </a:rPr>
-              <a:t>statement can also be used to wait for the first goroutine to send data through a channel. </a:t>
-            </a:r>
-          </a:p>
-          <a:p>
-            <a:endParaRPr lang="en-CA" sz="1800" dirty="0">
-              <a:latin typeface="Arial" panose="020B0604020202020204" pitchFamily="34" charset="0"/>
-              <a:ea typeface="Calibri" panose="020F0502020204030204" pitchFamily="34" charset="0"/>
-            </a:endParaRPr>
-          </a:p>
-          <a:p>
-            <a:r>
-              <a:rPr lang="en-CA" sz="1800" kern="100" dirty="0">
-                <a:effectLst/>
-                <a:latin typeface="Arial" panose="020B0604020202020204" pitchFamily="34" charset="0"/>
-                <a:ea typeface="Calibri" panose="020F0502020204030204" pitchFamily="34" charset="0"/>
-              </a:rPr>
-              <a:t>When one goroutine has sent a value, the </a:t>
-            </a:r>
-            <a:r>
-              <a:rPr lang="en-CA" sz="1800" kern="100" dirty="0">
-                <a:solidFill>
-                  <a:srgbClr val="ED7D31"/>
-                </a:solidFill>
-                <a:effectLst/>
-                <a:latin typeface="Cascadia Code" panose="020B0609020000020004" pitchFamily="49" charset="0"/>
-                <a:ea typeface="Calibri" panose="020F0502020204030204" pitchFamily="34" charset="0"/>
-              </a:rPr>
-              <a:t>select</a:t>
-            </a:r>
-            <a:r>
-              <a:rPr lang="en-CA" sz="1800" kern="100" dirty="0">
-                <a:solidFill>
-                  <a:srgbClr val="ED7D31"/>
-                </a:solidFill>
-                <a:effectLst/>
-                <a:latin typeface="Arial" panose="020B0604020202020204" pitchFamily="34" charset="0"/>
-                <a:ea typeface="Calibri" panose="020F0502020204030204" pitchFamily="34" charset="0"/>
-              </a:rPr>
-              <a:t> </a:t>
-            </a:r>
-            <a:r>
-              <a:rPr lang="en-CA" sz="1800" kern="100" dirty="0">
-                <a:effectLst/>
-                <a:latin typeface="Arial" panose="020B0604020202020204" pitchFamily="34" charset="0"/>
-                <a:ea typeface="Calibri" panose="020F0502020204030204" pitchFamily="34" charset="0"/>
-              </a:rPr>
-              <a:t>statement then receives a value from the channel with the sent value. </a:t>
-            </a:r>
-          </a:p>
-        </p:txBody>
-      </p:sp>
-    </p:spTree>
-    <p:extLst>
-      <p:ext uri="{BB962C8B-B14F-4D97-AF65-F5344CB8AC3E}">
-        <p14:creationId xmlns:p14="http://schemas.microsoft.com/office/powerpoint/2010/main" val="157089316"/>
-      </p:ext>
-    </p:extLst>
-  </p:cSld>
-  <p:clrMapOvr>
-    <a:masterClrMapping/>
-  </p:clrMapOvr>
-</p:sld>
-</file>
-
-<file path=ppt/slides/slide21.xml><?xml version="1.0" encoding="utf-8"?>
 <p:sld xmlns:a="http://schemas.openxmlformats.org/drawingml/2006/main" xmlns:r="http://schemas.openxmlformats.org/officeDocument/2006/relationships" xmlns:p="http://schemas.openxmlformats.org/presentationml/2006/main">
   <p:cSld>
     <p:spTree>
@@ -8342,7 +8311,7 @@
 </p:sld>
 </file>
 
-<file path=ppt/slides/slide22.xml><?xml version="1.0" encoding="utf-8"?>
+<file path=ppt/slides/slide21.xml><?xml version="1.0" encoding="utf-8"?>
 <p:sld xmlns:a="http://schemas.openxmlformats.org/drawingml/2006/main" xmlns:r="http://schemas.openxmlformats.org/officeDocument/2006/relationships" xmlns:p="http://schemas.openxmlformats.org/presentationml/2006/main">
   <p:cSld>
     <p:spTree>
@@ -8552,7 +8521,7 @@
 </p:sld>
 </file>
 
-<file path=ppt/slides/slide23.xml><?xml version="1.0" encoding="utf-8"?>
+<file path=ppt/slides/slide22.xml><?xml version="1.0" encoding="utf-8"?>
 <p:sld xmlns:a="http://schemas.openxmlformats.org/drawingml/2006/main" xmlns:r="http://schemas.openxmlformats.org/officeDocument/2006/relationships" xmlns:p="http://schemas.openxmlformats.org/presentationml/2006/main">
   <p:cSld>
     <p:spTree>
@@ -8945,7 +8914,7 @@
 </p:sld>
 </file>
 
-<file path=ppt/slides/slide24.xml><?xml version="1.0" encoding="utf-8"?>
+<file path=ppt/slides/slide23.xml><?xml version="1.0" encoding="utf-8"?>
 <p:sld xmlns:a="http://schemas.openxmlformats.org/drawingml/2006/main" xmlns:r="http://schemas.openxmlformats.org/officeDocument/2006/relationships" xmlns:p="http://schemas.openxmlformats.org/presentationml/2006/main">
   <p:cSld>
     <p:spTree>
@@ -9426,7 +9395,7 @@
 </p:sld>
 </file>
 
-<file path=ppt/slides/slide25.xml><?xml version="1.0" encoding="utf-8"?>
+<file path=ppt/slides/slide24.xml><?xml version="1.0" encoding="utf-8"?>
 <p:sld xmlns:a="http://schemas.openxmlformats.org/drawingml/2006/main" xmlns:r="http://schemas.openxmlformats.org/officeDocument/2006/relationships" xmlns:p="http://schemas.openxmlformats.org/presentationml/2006/main">
   <p:cSld>
     <p:spTree>
@@ -9560,7 +9529,7 @@
 </p:sld>
 </file>
 
-<file path=ppt/slides/slide26.xml><?xml version="1.0" encoding="utf-8"?>
+<file path=ppt/slides/slide25.xml><?xml version="1.0" encoding="utf-8"?>
 <p:sld xmlns:a="http://schemas.openxmlformats.org/drawingml/2006/main" xmlns:r="http://schemas.openxmlformats.org/officeDocument/2006/relationships" xmlns:p="http://schemas.openxmlformats.org/presentationml/2006/main">
   <p:cSld>
     <p:spTree>
@@ -9689,7 +9658,7 @@
 </p:sld>
 </file>
 
-<file path=ppt/slides/slide27.xml><?xml version="1.0" encoding="utf-8"?>
+<file path=ppt/slides/slide26.xml><?xml version="1.0" encoding="utf-8"?>
 <p:sld xmlns:a="http://schemas.openxmlformats.org/drawingml/2006/main" xmlns:r="http://schemas.openxmlformats.org/officeDocument/2006/relationships" xmlns:p="http://schemas.openxmlformats.org/presentationml/2006/main">
   <p:cSld>
     <p:spTree>
@@ -9893,7 +9862,7 @@
 </p:sld>
 </file>
 
-<file path=ppt/slides/slide28.xml><?xml version="1.0" encoding="utf-8"?>
+<file path=ppt/slides/slide27.xml><?xml version="1.0" encoding="utf-8"?>
 <p:sld xmlns:a="http://schemas.openxmlformats.org/drawingml/2006/main" xmlns:r="http://schemas.openxmlformats.org/officeDocument/2006/relationships" xmlns:p="http://schemas.openxmlformats.org/presentationml/2006/main">
   <p:cSld>
     <p:spTree>
@@ -11087,12 +11056,16 @@
           <a:lstStyle/>
           <a:p>
             <a:r>
-              <a:rPr lang="en-US" b="1" dirty="0">
+              <a:rPr lang="en-US" b="1">
                 <a:latin typeface="Arial" panose="020B0604020202020204" pitchFamily="34" charset="0"/>
                 <a:cs typeface="Arial" panose="020B0604020202020204" pitchFamily="34" charset="0"/>
               </a:rPr>
-              <a:t>Unbuffered functions</a:t>
-            </a:r>
+              <a:t>Unbuffered channels</a:t>
+            </a:r>
+            <a:endParaRPr lang="en-US" b="1" dirty="0">
+              <a:latin typeface="Arial" panose="020B0604020202020204" pitchFamily="34" charset="0"/>
+              <a:cs typeface="Arial" panose="020B0604020202020204" pitchFamily="34" charset="0"/>
+            </a:endParaRPr>
           </a:p>
         </p:txBody>
       </p:sp>
